--- a/trace-contexts/W3C-problem-statement.pptx
+++ b/trace-contexts/W3C-problem-statement.pptx
@@ -5,8 +5,9 @@
     <p:sldMasterId id="2147483648" r:id="rId1"/>
   </p:sldMasterIdLst>
   <p:sldIdLst>
-    <p:sldId id="256" r:id="rId2"/>
-    <p:sldId id="257" r:id="rId3"/>
+    <p:sldId id="257" r:id="rId2"/>
+    <p:sldId id="258" r:id="rId3"/>
+    <p:sldId id="259" r:id="rId4"/>
   </p:sldIdLst>
   <p:sldSz cx="12192000" cy="6858000"/>
   <p:notesSz cx="6858000" cy="9144000"/>
@@ -105,6 +106,11 @@
       </a:defRPr>
     </a:lvl9pPr>
   </p:defaultTextStyle>
+  <p:extLst>
+    <p:ext uri="{EFAFB233-063F-42B5-8137-9DF3F51BA10A}">
+      <p15:sldGuideLst xmlns:p15="http://schemas.microsoft.com/office/powerpoint/2012/main"/>
+    </p:ext>
+  </p:extLst>
 </p:presentation>
 </file>
 
@@ -255,7 +261,7 @@
           <a:p>
             <a:fld id="{649A3AD8-C42C-46B3-B5C5-60342CCE789F}" type="datetimeFigureOut">
               <a:rPr lang="en-US" smtClean="0"/>
-              <a:t>24-Oct-22</a:t>
+              <a:t>28-Oct-22</a:t>
             </a:fld>
             <a:endParaRPr lang="en-US" dirty="0"/>
           </a:p>
@@ -453,7 +459,7 @@
           <a:p>
             <a:fld id="{649A3AD8-C42C-46B3-B5C5-60342CCE789F}" type="datetimeFigureOut">
               <a:rPr lang="en-US" smtClean="0"/>
-              <a:t>24-Oct-22</a:t>
+              <a:t>28-Oct-22</a:t>
             </a:fld>
             <a:endParaRPr lang="en-US" dirty="0"/>
           </a:p>
@@ -661,7 +667,7 @@
           <a:p>
             <a:fld id="{649A3AD8-C42C-46B3-B5C5-60342CCE789F}" type="datetimeFigureOut">
               <a:rPr lang="en-US" smtClean="0"/>
-              <a:t>24-Oct-22</a:t>
+              <a:t>28-Oct-22</a:t>
             </a:fld>
             <a:endParaRPr lang="en-US" dirty="0"/>
           </a:p>
@@ -859,7 +865,7 @@
           <a:p>
             <a:fld id="{649A3AD8-C42C-46B3-B5C5-60342CCE789F}" type="datetimeFigureOut">
               <a:rPr lang="en-US" smtClean="0"/>
-              <a:t>24-Oct-22</a:t>
+              <a:t>28-Oct-22</a:t>
             </a:fld>
             <a:endParaRPr lang="en-US" dirty="0"/>
           </a:p>
@@ -1134,7 +1140,7 @@
           <a:p>
             <a:fld id="{649A3AD8-C42C-46B3-B5C5-60342CCE789F}" type="datetimeFigureOut">
               <a:rPr lang="en-US" smtClean="0"/>
-              <a:t>24-Oct-22</a:t>
+              <a:t>28-Oct-22</a:t>
             </a:fld>
             <a:endParaRPr lang="en-US" dirty="0"/>
           </a:p>
@@ -1399,7 +1405,7 @@
           <a:p>
             <a:fld id="{649A3AD8-C42C-46B3-B5C5-60342CCE789F}" type="datetimeFigureOut">
               <a:rPr lang="en-US" smtClean="0"/>
-              <a:t>24-Oct-22</a:t>
+              <a:t>28-Oct-22</a:t>
             </a:fld>
             <a:endParaRPr lang="en-US" dirty="0"/>
           </a:p>
@@ -1811,7 +1817,7 @@
           <a:p>
             <a:fld id="{649A3AD8-C42C-46B3-B5C5-60342CCE789F}" type="datetimeFigureOut">
               <a:rPr lang="en-US" smtClean="0"/>
-              <a:t>24-Oct-22</a:t>
+              <a:t>28-Oct-22</a:t>
             </a:fld>
             <a:endParaRPr lang="en-US" dirty="0"/>
           </a:p>
@@ -1952,7 +1958,7 @@
           <a:p>
             <a:fld id="{649A3AD8-C42C-46B3-B5C5-60342CCE789F}" type="datetimeFigureOut">
               <a:rPr lang="en-US" smtClean="0"/>
-              <a:t>24-Oct-22</a:t>
+              <a:t>28-Oct-22</a:t>
             </a:fld>
             <a:endParaRPr lang="en-US" dirty="0"/>
           </a:p>
@@ -2065,7 +2071,7 @@
           <a:p>
             <a:fld id="{649A3AD8-C42C-46B3-B5C5-60342CCE789F}" type="datetimeFigureOut">
               <a:rPr lang="en-US" smtClean="0"/>
-              <a:t>24-Oct-22</a:t>
+              <a:t>28-Oct-22</a:t>
             </a:fld>
             <a:endParaRPr lang="en-US" dirty="0"/>
           </a:p>
@@ -2376,7 +2382,7 @@
           <a:p>
             <a:fld id="{649A3AD8-C42C-46B3-B5C5-60342CCE789F}" type="datetimeFigureOut">
               <a:rPr lang="en-US" smtClean="0"/>
-              <a:t>24-Oct-22</a:t>
+              <a:t>28-Oct-22</a:t>
             </a:fld>
             <a:endParaRPr lang="en-US" dirty="0"/>
           </a:p>
@@ -2664,7 +2670,7 @@
           <a:p>
             <a:fld id="{649A3AD8-C42C-46B3-B5C5-60342CCE789F}" type="datetimeFigureOut">
               <a:rPr lang="en-US" smtClean="0"/>
-              <a:t>24-Oct-22</a:t>
+              <a:t>28-Oct-22</a:t>
             </a:fld>
             <a:endParaRPr lang="en-US" dirty="0"/>
           </a:p>
@@ -2905,7 +2911,7 @@
           <a:p>
             <a:fld id="{649A3AD8-C42C-46B3-B5C5-60342CCE789F}" type="datetimeFigureOut">
               <a:rPr lang="en-US" smtClean="0"/>
-              <a:t>24-Oct-22</a:t>
+              <a:t>28-Oct-22</a:t>
             </a:fld>
             <a:endParaRPr lang="en-US" dirty="0"/>
           </a:p>
@@ -3324,58 +3330,214 @@
       </p:grpSpPr>
       <p:sp>
         <p:nvSpPr>
-          <p:cNvPr id="2" name="Title 1">
-            <a:extLst>
-              <a:ext uri="{FF2B5EF4-FFF2-40B4-BE49-F238E27FC236}">
-                <a16:creationId xmlns:a16="http://schemas.microsoft.com/office/drawing/2014/main" id="{CC1FD3BE-C964-8476-3AD5-D7CD10C20E5C}"/>
-              </a:ext>
-            </a:extLst>
-          </p:cNvPr>
-          <p:cNvSpPr>
-            <a:spLocks noGrp="1"/>
-          </p:cNvSpPr>
-          <p:nvPr>
-            <p:ph type="ctrTitle"/>
-          </p:nvPr>
-        </p:nvSpPr>
-        <p:spPr/>
-        <p:txBody>
-          <a:bodyPr/>
-          <a:lstStyle/>
-          <a:p>
-            <a:endParaRPr lang="en-US" dirty="0"/>
-          </a:p>
-        </p:txBody>
-      </p:sp>
-      <p:sp>
-        <p:nvSpPr>
-          <p:cNvPr id="3" name="Subtitle 2">
-            <a:extLst>
-              <a:ext uri="{FF2B5EF4-FFF2-40B4-BE49-F238E27FC236}">
-                <a16:creationId xmlns:a16="http://schemas.microsoft.com/office/drawing/2014/main" id="{9B34D069-8230-9CA1-B27E-EB49A597C3E4}"/>
-              </a:ext>
-            </a:extLst>
-          </p:cNvPr>
-          <p:cNvSpPr>
-            <a:spLocks noGrp="1"/>
-          </p:cNvSpPr>
-          <p:nvPr>
-            <p:ph type="subTitle" idx="1"/>
-          </p:nvPr>
-        </p:nvSpPr>
-        <p:spPr/>
-        <p:txBody>
-          <a:bodyPr/>
-          <a:lstStyle/>
-          <a:p>
-            <a:endParaRPr lang="en-US" dirty="0"/>
+          <p:cNvPr id="4" name="Title 3">
+            <a:extLst>
+              <a:ext uri="{FF2B5EF4-FFF2-40B4-BE49-F238E27FC236}">
+                <a16:creationId xmlns:a16="http://schemas.microsoft.com/office/drawing/2014/main" id="{B40671D6-A829-E18D-54CF-D3FC893A1A16}"/>
+              </a:ext>
+            </a:extLst>
+          </p:cNvPr>
+          <p:cNvSpPr>
+            <a:spLocks noGrp="1"/>
+          </p:cNvSpPr>
+          <p:nvPr>
+            <p:ph type="title"/>
+          </p:nvPr>
+        </p:nvSpPr>
+        <p:spPr>
+          <a:xfrm>
+            <a:off x="839788" y="0"/>
+            <a:ext cx="8592970" cy="715879"/>
+          </a:xfrm>
+        </p:spPr>
+        <p:txBody>
+          <a:bodyPr/>
+          <a:lstStyle/>
+          <a:p>
+            <a:r>
+              <a:rPr lang="en-US" dirty="0"/>
+              <a:t>W3C problem statement</a:t>
+            </a:r>
+          </a:p>
+        </p:txBody>
+      </p:sp>
+      <p:pic>
+        <p:nvPicPr>
+          <p:cNvPr id="8" name="Picture Placeholder 7">
+            <a:extLst>
+              <a:ext uri="{FF2B5EF4-FFF2-40B4-BE49-F238E27FC236}">
+                <a16:creationId xmlns:a16="http://schemas.microsoft.com/office/drawing/2014/main" id="{5ECC6DEB-4300-663B-8E95-E5565685361E}"/>
+              </a:ext>
+            </a:extLst>
+          </p:cNvPr>
+          <p:cNvPicPr>
+            <a:picLocks noGrp="1" noChangeAspect="1"/>
+          </p:cNvPicPr>
+          <p:nvPr>
+            <p:ph type="pic" idx="1"/>
+          </p:nvPr>
+        </p:nvPicPr>
+        <p:blipFill>
+          <a:blip r:embed="rId2">
+            <a:extLst>
+              <a:ext uri="{28A0092B-C50C-407E-A947-70E740481C1C}">
+                <a14:useLocalDpi xmlns:a14="http://schemas.microsoft.com/office/drawing/2010/main" val="0"/>
+              </a:ext>
+              <a:ext uri="{96DAC541-7B7A-43D3-8B79-37D633B846F1}">
+                <asvg:svgBlip xmlns:asvg="http://schemas.microsoft.com/office/drawing/2016/SVG/main" r:embed="rId3"/>
+              </a:ext>
+            </a:extLst>
+          </a:blip>
+          <a:srcRect l="2064" r="2064"/>
+          <a:stretch>
+            <a:fillRect/>
+          </a:stretch>
+        </p:blipFill>
+        <p:spPr>
+          <a:xfrm>
+            <a:off x="4620125" y="542827"/>
+            <a:ext cx="7134727" cy="5318224"/>
+          </a:xfrm>
+        </p:spPr>
+      </p:pic>
+      <p:sp>
+        <p:nvSpPr>
+          <p:cNvPr id="6" name="Text Placeholder 5">
+            <a:extLst>
+              <a:ext uri="{FF2B5EF4-FFF2-40B4-BE49-F238E27FC236}">
+                <a16:creationId xmlns:a16="http://schemas.microsoft.com/office/drawing/2014/main" id="{67197337-4612-C0C2-3BD4-CBB43D6F2843}"/>
+              </a:ext>
+            </a:extLst>
+          </p:cNvPr>
+          <p:cNvSpPr>
+            <a:spLocks noGrp="1"/>
+          </p:cNvSpPr>
+          <p:nvPr>
+            <p:ph type="body" sz="half" idx="2"/>
+          </p:nvPr>
+        </p:nvSpPr>
+        <p:spPr>
+          <a:xfrm>
+            <a:off x="836613" y="987425"/>
+            <a:ext cx="3615072" cy="3811588"/>
+          </a:xfrm>
+        </p:spPr>
+        <p:txBody>
+          <a:bodyPr>
+            <a:normAutofit lnSpcReduction="10000"/>
+          </a:bodyPr>
+          <a:lstStyle/>
+          <a:p>
+            <a:r>
+              <a:rPr lang="en-US" dirty="0"/>
+              <a:t>Imagine a procedure starts with a request:</a:t>
+            </a:r>
+          </a:p>
+          <a:p>
+            <a:pPr marL="342900" indent="-342900">
+              <a:buFont typeface="+mj-lt"/>
+              <a:buAutoNum type="arabicPeriod"/>
+            </a:pPr>
+            <a:r>
+              <a:rPr lang="en-US"/>
+              <a:t>Action A </a:t>
+            </a:r>
+            <a:r>
+              <a:rPr lang="en-US" dirty="0"/>
+              <a:t>generates some log messages and then starts activity B on a different system.</a:t>
+            </a:r>
+          </a:p>
+          <a:p>
+            <a:pPr marL="342900" indent="-342900">
+              <a:buFont typeface="+mj-lt"/>
+              <a:buAutoNum type="arabicPeriod"/>
+            </a:pPr>
+            <a:r>
+              <a:rPr lang="en-US" dirty="0"/>
+              <a:t>Activity B generates logs to logging system B</a:t>
+            </a:r>
+          </a:p>
+          <a:p>
+            <a:pPr marL="342900" indent="-342900">
+              <a:buFont typeface="+mj-lt"/>
+              <a:buAutoNum type="arabicPeriod"/>
+            </a:pPr>
+            <a:r>
+              <a:rPr lang="en-US" dirty="0"/>
+              <a:t>Action A starts Activity C, generating more logs to logging system A</a:t>
+            </a:r>
+          </a:p>
+          <a:p>
+            <a:pPr marL="342900" indent="-342900">
+              <a:buFont typeface="+mj-lt"/>
+              <a:buAutoNum type="arabicPeriod"/>
+            </a:pPr>
+            <a:r>
+              <a:rPr lang="en-US" dirty="0"/>
+              <a:t>Activity B starts Activity D on a different system.</a:t>
+            </a:r>
+          </a:p>
+          <a:p>
+            <a:pPr marL="342900" indent="-342900">
+              <a:buFont typeface="+mj-lt"/>
+              <a:buAutoNum type="arabicPeriod"/>
+            </a:pPr>
+            <a:r>
+              <a:rPr lang="en-US" dirty="0"/>
+              <a:t>Activity D generates logs to logging D.</a:t>
+            </a:r>
+          </a:p>
+          <a:p>
+            <a:pPr marL="342900" indent="-342900">
+              <a:buFont typeface="+mj-lt"/>
+              <a:buAutoNum type="arabicPeriod"/>
+            </a:pPr>
+            <a:r>
+              <a:rPr lang="en-US" dirty="0"/>
+              <a:t>Etc.</a:t>
+            </a:r>
+          </a:p>
+        </p:txBody>
+      </p:sp>
+      <p:sp>
+        <p:nvSpPr>
+          <p:cNvPr id="9" name="TextBox 8">
+            <a:extLst>
+              <a:ext uri="{FF2B5EF4-FFF2-40B4-BE49-F238E27FC236}">
+                <a16:creationId xmlns:a16="http://schemas.microsoft.com/office/drawing/2014/main" id="{94D8FA36-E55A-85FC-6317-6DBCF360198C}"/>
+              </a:ext>
+            </a:extLst>
+          </p:cNvPr>
+          <p:cNvSpPr txBox="1"/>
+          <p:nvPr/>
+        </p:nvSpPr>
+        <p:spPr>
+          <a:xfrm>
+            <a:off x="1251283" y="5889206"/>
+            <a:ext cx="9577137" cy="646331"/>
+          </a:xfrm>
+          <a:prstGeom prst="rect">
+            <a:avLst/>
+          </a:prstGeom>
+          <a:noFill/>
+        </p:spPr>
+        <p:txBody>
+          <a:bodyPr wrap="square" rtlCol="0">
+            <a:spAutoFit/>
+          </a:bodyPr>
+          <a:lstStyle/>
+          <a:p>
+            <a:r>
+              <a:rPr lang="en-US" dirty="0"/>
+              <a:t>How do you find the event logs related to “procedure request” among all the millions of log messages on all those logging systems?</a:t>
+            </a:r>
           </a:p>
         </p:txBody>
       </p:sp>
     </p:spTree>
     <p:extLst>
       <p:ext uri="{BB962C8B-B14F-4D97-AF65-F5344CB8AC3E}">
-        <p14:creationId xmlns:p14="http://schemas.microsoft.com/office/powerpoint/2010/main" val="3462718985"/>
+        <p14:creationId xmlns:p14="http://schemas.microsoft.com/office/powerpoint/2010/main" val="3332339060"/>
       </p:ext>
     </p:extLst>
   </p:cSld>
@@ -3404,10 +3566,10 @@
       </p:grpSpPr>
       <p:sp>
         <p:nvSpPr>
-          <p:cNvPr id="4" name="Title 3">
-            <a:extLst>
-              <a:ext uri="{FF2B5EF4-FFF2-40B4-BE49-F238E27FC236}">
-                <a16:creationId xmlns:a16="http://schemas.microsoft.com/office/drawing/2014/main" id="{B40671D6-A829-E18D-54CF-D3FC893A1A16}"/>
+          <p:cNvPr id="5" name="Title 4">
+            <a:extLst>
+              <a:ext uri="{FF2B5EF4-FFF2-40B4-BE49-F238E27FC236}">
+                <a16:creationId xmlns:a16="http://schemas.microsoft.com/office/drawing/2014/main" id="{97C624CD-9AA2-BC9B-4E1A-AAB1C1ADADED}"/>
               </a:ext>
             </a:extLst>
           </p:cNvPr>
@@ -3418,188 +3580,14 @@
             <p:ph type="title"/>
           </p:nvPr>
         </p:nvSpPr>
-        <p:spPr>
-          <a:xfrm>
-            <a:off x="839788" y="0"/>
-            <a:ext cx="8592970" cy="715879"/>
-          </a:xfrm>
-        </p:spPr>
+        <p:spPr/>
         <p:txBody>
           <a:bodyPr/>
           <a:lstStyle/>
           <a:p>
             <a:r>
               <a:rPr lang="en-US" dirty="0"/>
-              <a:t>W3C problem statement</a:t>
-            </a:r>
-          </a:p>
-        </p:txBody>
-      </p:sp>
-      <p:pic>
-        <p:nvPicPr>
-          <p:cNvPr id="8" name="Picture Placeholder 7">
-            <a:extLst>
-              <a:ext uri="{FF2B5EF4-FFF2-40B4-BE49-F238E27FC236}">
-                <a16:creationId xmlns:a16="http://schemas.microsoft.com/office/drawing/2014/main" id="{5ECC6DEB-4300-663B-8E95-E5565685361E}"/>
-              </a:ext>
-            </a:extLst>
-          </p:cNvPr>
-          <p:cNvPicPr>
-            <a:picLocks noGrp="1" noChangeAspect="1"/>
-          </p:cNvPicPr>
-          <p:nvPr>
-            <p:ph type="pic" idx="1"/>
-          </p:nvPr>
-        </p:nvPicPr>
-        <p:blipFill>
-          <a:blip r:embed="rId2">
-            <a:extLst>
-              <a:ext uri="{28A0092B-C50C-407E-A947-70E740481C1C}">
-                <a14:useLocalDpi xmlns:a14="http://schemas.microsoft.com/office/drawing/2010/main" val="0"/>
-              </a:ext>
-              <a:ext uri="{96DAC541-7B7A-43D3-8B79-37D633B846F1}">
-                <asvg:svgBlip xmlns:asvg="http://schemas.microsoft.com/office/drawing/2016/SVG/main" r:embed="rId3"/>
-              </a:ext>
-            </a:extLst>
-          </a:blip>
-          <a:srcRect l="2064" r="2064"/>
-          <a:stretch>
-            <a:fillRect/>
-          </a:stretch>
-        </p:blipFill>
-        <p:spPr>
-          <a:xfrm>
-            <a:off x="4620125" y="542827"/>
-            <a:ext cx="7134727" cy="5318224"/>
-          </a:xfrm>
-        </p:spPr>
-      </p:pic>
-      <p:sp>
-        <p:nvSpPr>
-          <p:cNvPr id="6" name="Text Placeholder 5">
-            <a:extLst>
-              <a:ext uri="{FF2B5EF4-FFF2-40B4-BE49-F238E27FC236}">
-                <a16:creationId xmlns:a16="http://schemas.microsoft.com/office/drawing/2014/main" id="{67197337-4612-C0C2-3BD4-CBB43D6F2843}"/>
-              </a:ext>
-            </a:extLst>
-          </p:cNvPr>
-          <p:cNvSpPr>
-            <a:spLocks noGrp="1"/>
-          </p:cNvSpPr>
-          <p:nvPr>
-            <p:ph type="body" sz="half" idx="2"/>
-          </p:nvPr>
-        </p:nvSpPr>
-        <p:spPr>
-          <a:xfrm>
-            <a:off x="836613" y="987425"/>
-            <a:ext cx="3615072" cy="3811588"/>
-          </a:xfrm>
-        </p:spPr>
-        <p:txBody>
-          <a:bodyPr>
-            <a:normAutofit lnSpcReduction="10000"/>
-          </a:bodyPr>
-          <a:lstStyle/>
-          <a:p>
-            <a:r>
-              <a:rPr lang="en-US" dirty="0"/>
-              <a:t>Imagine a procedure starts with a request:</a:t>
-            </a:r>
-          </a:p>
-          <a:p>
-            <a:pPr marL="342900" indent="-342900">
-              <a:buFont typeface="+mj-lt"/>
-              <a:buAutoNum type="arabicPeriod"/>
-            </a:pPr>
-            <a:r>
-              <a:rPr lang="en-US" dirty="0"/>
-              <a:t>Action a generates some log messages and then starts activity B on a different system.</a:t>
-            </a:r>
-          </a:p>
-          <a:p>
-            <a:pPr marL="342900" indent="-342900">
-              <a:buFont typeface="+mj-lt"/>
-              <a:buAutoNum type="arabicPeriod"/>
-            </a:pPr>
-            <a:r>
-              <a:rPr lang="en-US" dirty="0"/>
-              <a:t>Activity B generates logs to logging system B</a:t>
-            </a:r>
-          </a:p>
-          <a:p>
-            <a:pPr marL="342900" indent="-342900">
-              <a:buFont typeface="+mj-lt"/>
-              <a:buAutoNum type="arabicPeriod"/>
-            </a:pPr>
-            <a:r>
-              <a:rPr lang="en-US" dirty="0"/>
-              <a:t>Action A starts Activity C, generating more logs to logging system A</a:t>
-            </a:r>
-          </a:p>
-          <a:p>
-            <a:pPr marL="342900" indent="-342900">
-              <a:buFont typeface="+mj-lt"/>
-              <a:buAutoNum type="arabicPeriod"/>
-            </a:pPr>
-            <a:r>
-              <a:rPr lang="en-US" dirty="0"/>
-              <a:t>Activity B starts Activity D on a different system.</a:t>
-            </a:r>
-          </a:p>
-          <a:p>
-            <a:pPr marL="342900" indent="-342900">
-              <a:buFont typeface="+mj-lt"/>
-              <a:buAutoNum type="arabicPeriod"/>
-            </a:pPr>
-            <a:r>
-              <a:rPr lang="en-US" dirty="0"/>
-              <a:t>Activity D generates logs to logging D.</a:t>
-            </a:r>
-          </a:p>
-          <a:p>
-            <a:pPr marL="342900" indent="-342900">
-              <a:buFont typeface="+mj-lt"/>
-              <a:buAutoNum type="arabicPeriod"/>
-            </a:pPr>
-            <a:r>
-              <a:rPr lang="en-US" dirty="0"/>
-              <a:t>Etc.</a:t>
-            </a:r>
-          </a:p>
-        </p:txBody>
-      </p:sp>
-      <p:sp>
-        <p:nvSpPr>
-          <p:cNvPr id="9" name="TextBox 8">
-            <a:extLst>
-              <a:ext uri="{FF2B5EF4-FFF2-40B4-BE49-F238E27FC236}">
-                <a16:creationId xmlns:a16="http://schemas.microsoft.com/office/drawing/2014/main" id="{94D8FA36-E55A-85FC-6317-6DBCF360198C}"/>
-              </a:ext>
-            </a:extLst>
-          </p:cNvPr>
-          <p:cNvSpPr txBox="1"/>
-          <p:nvPr/>
-        </p:nvSpPr>
-        <p:spPr>
-          <a:xfrm>
-            <a:off x="1251283" y="5889206"/>
-            <a:ext cx="9577137" cy="646331"/>
-          </a:xfrm>
-          <a:prstGeom prst="rect">
-            <a:avLst/>
-          </a:prstGeom>
-          <a:noFill/>
-        </p:spPr>
-        <p:txBody>
-          <a:bodyPr wrap="square" rtlCol="0">
-            <a:spAutoFit/>
-          </a:bodyPr>
-          <a:lstStyle/>
-          <a:p>
-            <a:r>
-              <a:rPr lang="en-US" dirty="0"/>
-              <a:t>How do you find the event logs related to “procedure request” among all the millions of log messages on all those logging systems?</a:t>
+              <a:t>Explain transition period (some update, some not)</a:t>
             </a:r>
           </a:p>
         </p:txBody>
@@ -3607,7 +3595,65 @@
     </p:spTree>
     <p:extLst>
       <p:ext uri="{BB962C8B-B14F-4D97-AF65-F5344CB8AC3E}">
-        <p14:creationId xmlns:p14="http://schemas.microsoft.com/office/powerpoint/2010/main" val="3332339060"/>
+        <p14:creationId xmlns:p14="http://schemas.microsoft.com/office/powerpoint/2010/main" val="1259922102"/>
+      </p:ext>
+    </p:extLst>
+  </p:cSld>
+  <p:clrMapOvr>
+    <a:masterClrMapping/>
+  </p:clrMapOvr>
+</p:sld>
+</file>
+
+<file path=ppt/slides/slide3.xml><?xml version="1.0" encoding="utf-8"?>
+<p:sld xmlns:a="http://schemas.openxmlformats.org/drawingml/2006/main" xmlns:r="http://schemas.openxmlformats.org/officeDocument/2006/relationships" xmlns:p="http://schemas.openxmlformats.org/presentationml/2006/main">
+  <p:cSld>
+    <p:spTree>
+      <p:nvGrpSpPr>
+        <p:cNvPr id="1" name=""/>
+        <p:cNvGrpSpPr/>
+        <p:nvPr/>
+      </p:nvGrpSpPr>
+      <p:grpSpPr>
+        <a:xfrm>
+          <a:off x="0" y="0"/>
+          <a:ext cx="0" cy="0"/>
+          <a:chOff x="0" y="0"/>
+          <a:chExt cx="0" cy="0"/>
+        </a:xfrm>
+      </p:grpSpPr>
+      <p:sp>
+        <p:nvSpPr>
+          <p:cNvPr id="2" name="Title 1">
+            <a:extLst>
+              <a:ext uri="{FF2B5EF4-FFF2-40B4-BE49-F238E27FC236}">
+                <a16:creationId xmlns:a16="http://schemas.microsoft.com/office/drawing/2014/main" id="{A5BBAC8B-F911-25B8-3B02-2415E13DDF6A}"/>
+              </a:ext>
+            </a:extLst>
+          </p:cNvPr>
+          <p:cNvSpPr>
+            <a:spLocks noGrp="1"/>
+          </p:cNvSpPr>
+          <p:nvPr>
+            <p:ph type="title"/>
+          </p:nvPr>
+        </p:nvSpPr>
+        <p:spPr/>
+        <p:txBody>
+          <a:bodyPr/>
+          <a:lstStyle/>
+          <a:p>
+            <a:r>
+              <a:rPr lang="en-US" dirty="0"/>
+              <a:t>How to convey trace parameters in active messages.</a:t>
+            </a:r>
+          </a:p>
+        </p:txBody>
+      </p:sp>
+    </p:spTree>
+    <p:extLst>
+      <p:ext uri="{BB962C8B-B14F-4D97-AF65-F5344CB8AC3E}">
+        <p14:creationId xmlns:p14="http://schemas.microsoft.com/office/powerpoint/2010/main" val="2700049563"/>
       </p:ext>
     </p:extLst>
   </p:cSld>
